--- a/MPP/project/document/Project Slide.pptx
+++ b/MPP/project/document/Project Slide.pptx
@@ -7,11 +7,19 @@
   <p:sldIdLst>
     <p:sldId id="256" r:id="rId2"/>
     <p:sldId id="257" r:id="rId3"/>
-    <p:sldId id="258" r:id="rId4"/>
-    <p:sldId id="259" r:id="rId5"/>
-    <p:sldId id="260" r:id="rId6"/>
-    <p:sldId id="262" r:id="rId7"/>
-    <p:sldId id="261" r:id="rId8"/>
+    <p:sldId id="263" r:id="rId4"/>
+    <p:sldId id="258" r:id="rId5"/>
+    <p:sldId id="259" r:id="rId6"/>
+    <p:sldId id="260" r:id="rId7"/>
+    <p:sldId id="262" r:id="rId8"/>
+    <p:sldId id="264" r:id="rId9"/>
+    <p:sldId id="265" r:id="rId10"/>
+    <p:sldId id="266" r:id="rId11"/>
+    <p:sldId id="269" r:id="rId12"/>
+    <p:sldId id="267" r:id="rId13"/>
+    <p:sldId id="270" r:id="rId14"/>
+    <p:sldId id="268" r:id="rId15"/>
+    <p:sldId id="261" r:id="rId16"/>
   </p:sldIdLst>
   <p:sldSz cx="12192000" cy="6858000"/>
   <p:notesSz cx="6858000" cy="9144000"/>
@@ -127,6 +135,10 @@
     </p:ext>
   </p:extLst>
 </p:presentation>
+</file>
+
+<file path=ppt/revisionInfo.xml><?xml version="1.0" encoding="utf-8"?>
+<p1510:revInfo xmlns:a="http://schemas.openxmlformats.org/drawingml/2006/main" xmlns:r="http://schemas.openxmlformats.org/officeDocument/2006/relationships" xmlns:p1510="http://schemas.microsoft.com/office/powerpoint/2015/10/main"/>
 </file>
 
 <file path=ppt/slideLayouts/slideLayout1.xml><?xml version="1.0" encoding="utf-8"?>
@@ -535,7 +547,7 @@
           </a:lstStyle>
           <a:p>
             <a:r>
-              <a:rPr lang="en-US" smtClean="0"/>
+              <a:rPr lang="en-US"/>
               <a:t>Click to edit Master title style</a:t>
             </a:r>
             <a:endParaRPr lang="en-US" dirty="0"/>
@@ -606,7 +618,7 @@
           </a:lstStyle>
           <a:p>
             <a:r>
-              <a:rPr lang="en-US" smtClean="0"/>
+              <a:rPr lang="en-US"/>
               <a:t>Click to edit Master subtitle style</a:t>
             </a:r>
             <a:endParaRPr lang="en-US" dirty="0"/>
@@ -630,7 +642,7 @@
           <a:p>
             <a:fld id="{83284890-85D2-4D7B-8EF5-15A9C1DB8F42}" type="datetimeFigureOut">
               <a:rPr lang="en-US" smtClean="0"/>
-              <a:t>9/17/17</a:t>
+              <a:t>9/21/2017</a:t>
             </a:fld>
             <a:endParaRPr lang="en-US"/>
           </a:p>
@@ -734,10 +746,9 @@
           <a:lstStyle/>
           <a:p>
             <a:r>
-              <a:rPr lang="en-US" smtClean="0"/>
+              <a:rPr lang="en-US"/>
               <a:t>Click to edit Master title style</a:t>
             </a:r>
-            <a:endParaRPr lang="en-US"/>
           </a:p>
         </p:txBody>
       </p:sp>
@@ -758,38 +769,37 @@
           <a:p>
             <a:pPr lvl="0"/>
             <a:r>
-              <a:rPr lang="en-US" smtClean="0"/>
+              <a:rPr lang="en-US"/>
               <a:t>Click to edit Master text styles</a:t>
             </a:r>
           </a:p>
           <a:p>
             <a:pPr lvl="1"/>
             <a:r>
-              <a:rPr lang="en-US" smtClean="0"/>
+              <a:rPr lang="en-US"/>
               <a:t>Second level</a:t>
             </a:r>
           </a:p>
           <a:p>
             <a:pPr lvl="2"/>
             <a:r>
-              <a:rPr lang="en-US" smtClean="0"/>
+              <a:rPr lang="en-US"/>
               <a:t>Third level</a:t>
             </a:r>
           </a:p>
           <a:p>
             <a:pPr lvl="3"/>
             <a:r>
-              <a:rPr lang="en-US" smtClean="0"/>
+              <a:rPr lang="en-US"/>
               <a:t>Fourth level</a:t>
             </a:r>
           </a:p>
           <a:p>
             <a:pPr lvl="4"/>
             <a:r>
-              <a:rPr lang="en-US" smtClean="0"/>
+              <a:rPr lang="en-US"/>
               <a:t>Fifth level</a:t>
             </a:r>
-            <a:endParaRPr lang="en-US"/>
           </a:p>
         </p:txBody>
       </p:sp>
@@ -810,7 +820,7 @@
           <a:p>
             <a:fld id="{87157CC2-0FC8-4686-B024-99790E0F5162}" type="datetimeFigureOut">
               <a:rPr lang="en-US" smtClean="0"/>
-              <a:t>9/17/17</a:t>
+              <a:t>9/21/2017</a:t>
             </a:fld>
             <a:endParaRPr lang="en-US"/>
           </a:p>
@@ -909,7 +919,7 @@
           <a:lstStyle/>
           <a:p>
             <a:r>
-              <a:rPr lang="en-US" smtClean="0"/>
+              <a:rPr lang="en-US"/>
               <a:t>Click to edit Master title style</a:t>
             </a:r>
             <a:endParaRPr lang="en-US" dirty="0"/>
@@ -938,35 +948,35 @@
           <a:p>
             <a:pPr lvl="0"/>
             <a:r>
-              <a:rPr lang="en-US" smtClean="0"/>
+              <a:rPr lang="en-US"/>
               <a:t>Click to edit Master text styles</a:t>
             </a:r>
           </a:p>
           <a:p>
             <a:pPr lvl="1"/>
             <a:r>
-              <a:rPr lang="en-US" smtClean="0"/>
+              <a:rPr lang="en-US"/>
               <a:t>Second level</a:t>
             </a:r>
           </a:p>
           <a:p>
             <a:pPr lvl="2"/>
             <a:r>
-              <a:rPr lang="en-US" smtClean="0"/>
+              <a:rPr lang="en-US"/>
               <a:t>Third level</a:t>
             </a:r>
           </a:p>
           <a:p>
             <a:pPr lvl="3"/>
             <a:r>
-              <a:rPr lang="en-US" smtClean="0"/>
+              <a:rPr lang="en-US"/>
               <a:t>Fourth level</a:t>
             </a:r>
           </a:p>
           <a:p>
             <a:pPr lvl="4"/>
             <a:r>
-              <a:rPr lang="en-US" smtClean="0"/>
+              <a:rPr lang="en-US"/>
               <a:t>Fifth level</a:t>
             </a:r>
             <a:endParaRPr lang="en-US" dirty="0"/>
@@ -990,7 +1000,7 @@
           <a:p>
             <a:fld id="{F6764DA5-CD3D-4590-A511-FCD3BC7A793E}" type="datetimeFigureOut">
               <a:rPr lang="en-US" smtClean="0"/>
-              <a:t>9/17/17</a:t>
+              <a:t>9/21/2017</a:t>
             </a:fld>
             <a:endParaRPr lang="en-US"/>
           </a:p>
@@ -1084,7 +1094,7 @@
           <a:lstStyle/>
           <a:p>
             <a:r>
-              <a:rPr lang="en-US" smtClean="0"/>
+              <a:rPr lang="en-US"/>
               <a:t>Click to edit Master title style</a:t>
             </a:r>
             <a:endParaRPr lang="en-US" dirty="0"/>
@@ -1108,35 +1118,35 @@
           <a:p>
             <a:pPr lvl="0"/>
             <a:r>
-              <a:rPr lang="en-US" smtClean="0"/>
+              <a:rPr lang="en-US"/>
               <a:t>Click to edit Master text styles</a:t>
             </a:r>
           </a:p>
           <a:p>
             <a:pPr lvl="1"/>
             <a:r>
-              <a:rPr lang="en-US" smtClean="0"/>
+              <a:rPr lang="en-US"/>
               <a:t>Second level</a:t>
             </a:r>
           </a:p>
           <a:p>
             <a:pPr lvl="2"/>
             <a:r>
-              <a:rPr lang="en-US" smtClean="0"/>
+              <a:rPr lang="en-US"/>
               <a:t>Third level</a:t>
             </a:r>
           </a:p>
           <a:p>
             <a:pPr lvl="3"/>
             <a:r>
-              <a:rPr lang="en-US" smtClean="0"/>
+              <a:rPr lang="en-US"/>
               <a:t>Fourth level</a:t>
             </a:r>
           </a:p>
           <a:p>
             <a:pPr lvl="4"/>
             <a:r>
-              <a:rPr lang="en-US" smtClean="0"/>
+              <a:rPr lang="en-US"/>
               <a:t>Fifth level</a:t>
             </a:r>
             <a:endParaRPr lang="en-US" dirty="0"/>
@@ -1160,7 +1170,7 @@
           <a:p>
             <a:fld id="{82F5661D-6934-4B32-B92C-470368BF1EC6}" type="datetimeFigureOut">
               <a:rPr lang="en-US" smtClean="0"/>
-              <a:t>9/17/17</a:t>
+              <a:t>9/21/2017</a:t>
             </a:fld>
             <a:endParaRPr lang="en-US"/>
           </a:p>
@@ -1333,7 +1343,7 @@
           </a:lstStyle>
           <a:p>
             <a:r>
-              <a:rPr lang="en-US" smtClean="0"/>
+              <a:rPr lang="en-US"/>
               <a:t>Click to edit Master title style</a:t>
             </a:r>
             <a:endParaRPr lang="en-US" dirty="0"/>
@@ -1453,7 +1463,7 @@
           <a:p>
             <a:pPr lvl="0"/>
             <a:r>
-              <a:rPr lang="en-US" smtClean="0"/>
+              <a:rPr lang="en-US"/>
               <a:t>Click to edit Master text styles</a:t>
             </a:r>
           </a:p>
@@ -1481,7 +1491,7 @@
           <a:p>
             <a:fld id="{C6F822A4-8DA6-4447-9B1F-C5DB58435268}" type="datetimeFigureOut">
               <a:rPr lang="en-US" smtClean="0"/>
-              <a:t>9/17/17</a:t>
+              <a:t>9/21/2017</a:t>
             </a:fld>
             <a:endParaRPr lang="en-US" dirty="0"/>
           </a:p>
@@ -1748,7 +1758,7 @@
           <a:lstStyle/>
           <a:p>
             <a:r>
-              <a:rPr lang="en-US" smtClean="0"/>
+              <a:rPr lang="en-US"/>
               <a:t>Click to edit Master title style</a:t>
             </a:r>
             <a:endParaRPr lang="en-US" dirty="0"/>
@@ -1805,35 +1815,35 @@
           <a:p>
             <a:pPr lvl="0"/>
             <a:r>
-              <a:rPr lang="en-US" smtClean="0"/>
+              <a:rPr lang="en-US"/>
               <a:t>Click to edit Master text styles</a:t>
             </a:r>
           </a:p>
           <a:p>
             <a:pPr lvl="1"/>
             <a:r>
-              <a:rPr lang="en-US" smtClean="0"/>
+              <a:rPr lang="en-US"/>
               <a:t>Second level</a:t>
             </a:r>
           </a:p>
           <a:p>
             <a:pPr lvl="2"/>
             <a:r>
-              <a:rPr lang="en-US" smtClean="0"/>
+              <a:rPr lang="en-US"/>
               <a:t>Third level</a:t>
             </a:r>
           </a:p>
           <a:p>
             <a:pPr lvl="3"/>
             <a:r>
-              <a:rPr lang="en-US" smtClean="0"/>
+              <a:rPr lang="en-US"/>
               <a:t>Fourth level</a:t>
             </a:r>
           </a:p>
           <a:p>
             <a:pPr lvl="4"/>
             <a:r>
-              <a:rPr lang="en-US" smtClean="0"/>
+              <a:rPr lang="en-US"/>
               <a:t>Fifth level</a:t>
             </a:r>
             <a:endParaRPr lang="en-US" dirty="0"/>
@@ -1890,35 +1900,35 @@
           <a:p>
             <a:pPr lvl="0"/>
             <a:r>
-              <a:rPr lang="en-US" smtClean="0"/>
+              <a:rPr lang="en-US"/>
               <a:t>Click to edit Master text styles</a:t>
             </a:r>
           </a:p>
           <a:p>
             <a:pPr lvl="1"/>
             <a:r>
-              <a:rPr lang="en-US" smtClean="0"/>
+              <a:rPr lang="en-US"/>
               <a:t>Second level</a:t>
             </a:r>
           </a:p>
           <a:p>
             <a:pPr lvl="2"/>
             <a:r>
-              <a:rPr lang="en-US" smtClean="0"/>
+              <a:rPr lang="en-US"/>
               <a:t>Third level</a:t>
             </a:r>
           </a:p>
           <a:p>
             <a:pPr lvl="3"/>
             <a:r>
-              <a:rPr lang="en-US" smtClean="0"/>
+              <a:rPr lang="en-US"/>
               <a:t>Fourth level</a:t>
             </a:r>
           </a:p>
           <a:p>
             <a:pPr lvl="4"/>
             <a:r>
-              <a:rPr lang="en-US" smtClean="0"/>
+              <a:rPr lang="en-US"/>
               <a:t>Fifth level</a:t>
             </a:r>
             <a:endParaRPr lang="en-US" dirty="0"/>
@@ -1942,7 +1952,7 @@
           <a:p>
             <a:fld id="{E548D31E-DCDA-41A7-9C67-C4B11B94D21D}" type="datetimeFigureOut">
               <a:rPr lang="en-US" smtClean="0"/>
-              <a:t>9/17/17</a:t>
+              <a:t>9/21/2017</a:t>
             </a:fld>
             <a:endParaRPr lang="en-US"/>
           </a:p>
@@ -2087,7 +2097,7 @@
           <a:p>
             <a:pPr lvl="0"/>
             <a:r>
-              <a:rPr lang="en-US" smtClean="0"/>
+              <a:rPr lang="en-US"/>
               <a:t>Click to edit Master text styles</a:t>
             </a:r>
           </a:p>
@@ -2143,35 +2153,35 @@
           <a:p>
             <a:pPr lvl="0"/>
             <a:r>
-              <a:rPr lang="en-US" smtClean="0"/>
+              <a:rPr lang="en-US"/>
               <a:t>Click to edit Master text styles</a:t>
             </a:r>
           </a:p>
           <a:p>
             <a:pPr lvl="1"/>
             <a:r>
-              <a:rPr lang="en-US" smtClean="0"/>
+              <a:rPr lang="en-US"/>
               <a:t>Second level</a:t>
             </a:r>
           </a:p>
           <a:p>
             <a:pPr lvl="2"/>
             <a:r>
-              <a:rPr lang="en-US" smtClean="0"/>
+              <a:rPr lang="en-US"/>
               <a:t>Third level</a:t>
             </a:r>
           </a:p>
           <a:p>
             <a:pPr lvl="3"/>
             <a:r>
-              <a:rPr lang="en-US" smtClean="0"/>
+              <a:rPr lang="en-US"/>
               <a:t>Fourth level</a:t>
             </a:r>
           </a:p>
           <a:p>
             <a:pPr lvl="4"/>
             <a:r>
-              <a:rPr lang="en-US" smtClean="0"/>
+              <a:rPr lang="en-US"/>
               <a:t>Fifth level</a:t>
             </a:r>
             <a:endParaRPr lang="en-US" dirty="0"/>
@@ -2245,7 +2255,7 @@
           <a:p>
             <a:pPr lvl="0"/>
             <a:r>
-              <a:rPr lang="en-US" smtClean="0"/>
+              <a:rPr lang="en-US"/>
               <a:t>Click to edit Master text styles</a:t>
             </a:r>
           </a:p>
@@ -2301,35 +2311,35 @@
           <a:p>
             <a:pPr lvl="0"/>
             <a:r>
-              <a:rPr lang="en-US" smtClean="0"/>
+              <a:rPr lang="en-US"/>
               <a:t>Click to edit Master text styles</a:t>
             </a:r>
           </a:p>
           <a:p>
             <a:pPr lvl="1"/>
             <a:r>
-              <a:rPr lang="en-US" smtClean="0"/>
+              <a:rPr lang="en-US"/>
               <a:t>Second level</a:t>
             </a:r>
           </a:p>
           <a:p>
             <a:pPr lvl="2"/>
             <a:r>
-              <a:rPr lang="en-US" smtClean="0"/>
+              <a:rPr lang="en-US"/>
               <a:t>Third level</a:t>
             </a:r>
           </a:p>
           <a:p>
             <a:pPr lvl="3"/>
             <a:r>
-              <a:rPr lang="en-US" smtClean="0"/>
+              <a:rPr lang="en-US"/>
               <a:t>Fourth level</a:t>
             </a:r>
           </a:p>
           <a:p>
             <a:pPr lvl="4"/>
             <a:r>
-              <a:rPr lang="en-US" smtClean="0"/>
+              <a:rPr lang="en-US"/>
               <a:t>Fifth level</a:t>
             </a:r>
             <a:endParaRPr lang="en-US" dirty="0"/>
@@ -2353,7 +2363,7 @@
           <a:p>
             <a:fld id="{9B3762C0-B258-48F1-ADE6-176B4174CCDD}" type="datetimeFigureOut">
               <a:rPr lang="en-US" smtClean="0"/>
-              <a:t>9/17/17</a:t>
+              <a:t>9/21/2017</a:t>
             </a:fld>
             <a:endParaRPr lang="en-US"/>
           </a:p>
@@ -2417,7 +2427,7 @@
           <a:lstStyle/>
           <a:p>
             <a:r>
-              <a:rPr lang="en-US" smtClean="0"/>
+              <a:rPr lang="en-US"/>
               <a:t>Click to edit Master title style</a:t>
             </a:r>
             <a:endParaRPr lang="en-US" dirty="0"/>
@@ -2471,7 +2481,7 @@
           <a:p>
             <a:fld id="{677919A6-33EB-49BD-A62F-1FA56B9F9712}" type="datetimeFigureOut">
               <a:rPr lang="en-US" smtClean="0"/>
-              <a:t>9/17/17</a:t>
+              <a:t>9/21/2017</a:t>
             </a:fld>
             <a:endParaRPr lang="en-US"/>
           </a:p>
@@ -2535,10 +2545,9 @@
           <a:lstStyle/>
           <a:p>
             <a:r>
-              <a:rPr lang="en-US" smtClean="0"/>
+              <a:rPr lang="en-US"/>
               <a:t>Click to edit Master title style</a:t>
             </a:r>
-            <a:endParaRPr lang="en-US"/>
           </a:p>
         </p:txBody>
       </p:sp>
@@ -2589,7 +2598,7 @@
           <a:p>
             <a:fld id="{CA4E7D1B-D673-4CF6-8672-009D42ABD2A0}" type="datetimeFigureOut">
               <a:rPr lang="en-US" smtClean="0"/>
-              <a:t>9/17/17</a:t>
+              <a:t>9/21/2017</a:t>
             </a:fld>
             <a:endParaRPr lang="en-US"/>
           </a:p>
@@ -2759,7 +2768,7 @@
           </a:lstStyle>
           <a:p>
             <a:r>
-              <a:rPr lang="en-US" smtClean="0"/>
+              <a:rPr lang="en-US"/>
               <a:t>Click to edit Master title style</a:t>
             </a:r>
             <a:endParaRPr lang="en-US" dirty="0"/>
@@ -2816,35 +2825,35 @@
           <a:p>
             <a:pPr lvl="0"/>
             <a:r>
-              <a:rPr lang="en-US" smtClean="0"/>
+              <a:rPr lang="en-US"/>
               <a:t>Click to edit Master text styles</a:t>
             </a:r>
           </a:p>
           <a:p>
             <a:pPr lvl="1"/>
             <a:r>
-              <a:rPr lang="en-US" smtClean="0"/>
+              <a:rPr lang="en-US"/>
               <a:t>Second level</a:t>
             </a:r>
           </a:p>
           <a:p>
             <a:pPr lvl="2"/>
             <a:r>
-              <a:rPr lang="en-US" smtClean="0"/>
+              <a:rPr lang="en-US"/>
               <a:t>Third level</a:t>
             </a:r>
           </a:p>
           <a:p>
             <a:pPr lvl="3"/>
             <a:r>
-              <a:rPr lang="en-US" smtClean="0"/>
+              <a:rPr lang="en-US"/>
               <a:t>Fourth level</a:t>
             </a:r>
           </a:p>
           <a:p>
             <a:pPr lvl="4"/>
             <a:r>
-              <a:rPr lang="en-US" smtClean="0"/>
+              <a:rPr lang="en-US"/>
               <a:t>Fifth level</a:t>
             </a:r>
             <a:endParaRPr lang="en-US" dirty="0"/>
@@ -2924,7 +2933,7 @@
           <a:p>
             <a:pPr lvl="0"/>
             <a:r>
-              <a:rPr lang="en-US" smtClean="0"/>
+              <a:rPr lang="en-US"/>
               <a:t>Click to edit Master text styles</a:t>
             </a:r>
           </a:p>
@@ -2947,7 +2956,7 @@
           <a:p>
             <a:fld id="{DA16AA21-1863-4931-97CB-99D0A168701B}" type="datetimeFigureOut">
               <a:rPr lang="en-US" smtClean="0"/>
-              <a:t>9/17/17</a:t>
+              <a:t>9/21/2017</a:t>
             </a:fld>
             <a:endParaRPr lang="en-US"/>
           </a:p>
@@ -3280,7 +3289,7 @@
           </a:lstStyle>
           <a:p>
             <a:r>
-              <a:rPr lang="en-US" smtClean="0"/>
+              <a:rPr lang="en-US"/>
               <a:t>Click to edit Master title style</a:t>
             </a:r>
             <a:endParaRPr lang="en-US" dirty="0"/>
@@ -3351,7 +3360,7 @@
           </a:lstStyle>
           <a:p>
             <a:r>
-              <a:rPr lang="en-US" smtClean="0"/>
+              <a:rPr lang="en-US"/>
               <a:t>Drag picture to placeholder or click icon to add</a:t>
             </a:r>
             <a:endParaRPr lang="en-US" dirty="0"/>
@@ -3431,7 +3440,7 @@
           <a:p>
             <a:pPr lvl="0"/>
             <a:r>
-              <a:rPr lang="en-US" smtClean="0"/>
+              <a:rPr lang="en-US"/>
               <a:t>Click to edit Master text styles</a:t>
             </a:r>
           </a:p>
@@ -3454,7 +3463,7 @@
           <a:p>
             <a:fld id="{3772C379-9A7C-4C87-A116-CBE9F58B04C5}" type="datetimeFigureOut">
               <a:rPr lang="en-US" smtClean="0"/>
-              <a:t>9/17/17</a:t>
+              <a:t>9/21/2017</a:t>
             </a:fld>
             <a:endParaRPr lang="en-US"/>
           </a:p>
@@ -3707,7 +3716,7 @@
           <a:lstStyle/>
           <a:p>
             <a:r>
-              <a:rPr lang="en-US" smtClean="0"/>
+              <a:rPr lang="en-US"/>
               <a:t>Click to edit Master title style</a:t>
             </a:r>
             <a:endParaRPr lang="en-US" dirty="0"/>
@@ -3741,35 +3750,35 @@
           <a:p>
             <a:pPr lvl="0"/>
             <a:r>
-              <a:rPr lang="en-US" smtClean="0"/>
+              <a:rPr lang="en-US"/>
               <a:t>Click to edit Master text styles</a:t>
             </a:r>
           </a:p>
           <a:p>
             <a:pPr lvl="1"/>
             <a:r>
-              <a:rPr lang="en-US" smtClean="0"/>
+              <a:rPr lang="en-US"/>
               <a:t>Second level</a:t>
             </a:r>
           </a:p>
           <a:p>
             <a:pPr lvl="2"/>
             <a:r>
-              <a:rPr lang="en-US" smtClean="0"/>
+              <a:rPr lang="en-US"/>
               <a:t>Third level</a:t>
             </a:r>
           </a:p>
           <a:p>
             <a:pPr lvl="3"/>
             <a:r>
-              <a:rPr lang="en-US" smtClean="0"/>
+              <a:rPr lang="en-US"/>
               <a:t>Fourth level</a:t>
             </a:r>
           </a:p>
           <a:p>
             <a:pPr lvl="4"/>
             <a:r>
-              <a:rPr lang="en-US" smtClean="0"/>
+              <a:rPr lang="en-US"/>
               <a:t>Fifth level</a:t>
             </a:r>
             <a:endParaRPr lang="en-US" dirty="0"/>
@@ -3809,7 +3818,7 @@
           <a:p>
             <a:fld id="{8664C608-40B1-4030-A28D-5B74BC98ADCE}" type="datetimeFigureOut">
               <a:rPr lang="en-US" smtClean="0"/>
-              <a:t>9/17/17</a:t>
+              <a:t>9/21/2017</a:t>
             </a:fld>
             <a:endParaRPr lang="en-US" dirty="0"/>
           </a:p>
@@ -4477,14 +4486,9 @@
           <a:lstStyle/>
           <a:p>
             <a:r>
-              <a:rPr lang="en-US" dirty="0" smtClean="0"/>
-              <a:t>Supermarket shopping </a:t>
-            </a:r>
-            <a:r>
-              <a:rPr lang="en-US" dirty="0" smtClean="0"/>
-              <a:t>application</a:t>
-            </a:r>
-            <a:endParaRPr lang="en-US" dirty="0"/>
+              <a:rPr lang="en-US" dirty="0"/>
+              <a:t>Supermarket shopping application</a:t>
+            </a:r>
           </a:p>
         </p:txBody>
       </p:sp>
@@ -4498,30 +4502,135 @@
             <p:ph type="subTitle" idx="1"/>
           </p:nvPr>
         </p:nvSpPr>
-        <p:spPr/>
+        <p:spPr>
+          <a:xfrm>
+            <a:off x="5180215" y="5607027"/>
+            <a:ext cx="5062913" cy="1069848"/>
+          </a:xfrm>
+        </p:spPr>
         <p:txBody>
           <a:bodyPr/>
           <a:lstStyle/>
           <a:p>
             <a:r>
-              <a:rPr lang="en-US" dirty="0" smtClean="0"/>
+              <a:rPr lang="en-US" dirty="0"/>
               <a:t>Duy Thanh Vo </a:t>
             </a:r>
             <a:r>
-              <a:rPr lang="mr-IN" dirty="0" smtClean="0"/>
+              <a:rPr lang="mr-IN" dirty="0"/>
               <a:t>–</a:t>
             </a:r>
             <a:r>
-              <a:rPr lang="en-US" dirty="0" smtClean="0"/>
+              <a:rPr lang="en-US" dirty="0"/>
               <a:t> 986033</a:t>
             </a:r>
           </a:p>
           <a:p>
             <a:r>
-              <a:rPr lang="en-US" dirty="0" smtClean="0"/>
+              <a:rPr lang="en-US" dirty="0"/>
               <a:t>Huynh Huong Duong Truong - 986043</a:t>
             </a:r>
-            <a:endParaRPr lang="en-US" dirty="0"/>
+          </a:p>
+        </p:txBody>
+      </p:sp>
+      <p:sp>
+        <p:nvSpPr>
+          <p:cNvPr id="5" name="Rectangle 8">
+            <a:extLst>
+              <a:ext uri="{FF2B5EF4-FFF2-40B4-BE49-F238E27FC236}">
+                <a16:creationId xmlns:a16="http://schemas.microsoft.com/office/drawing/2014/main" id="{8A1DE789-54B3-4A54-ABC0-5E8C5892C326}"/>
+              </a:ext>
+            </a:extLst>
+          </p:cNvPr>
+          <p:cNvSpPr txBox="1">
+            <a:spLocks noChangeArrowheads="1"/>
+          </p:cNvSpPr>
+          <p:nvPr/>
+        </p:nvSpPr>
+        <p:spPr>
+          <a:xfrm>
+            <a:off x="1051560" y="4270772"/>
+            <a:ext cx="4822767" cy="762000"/>
+          </a:xfrm>
+          <a:prstGeom prst="rect">
+            <a:avLst/>
+          </a:prstGeom>
+          <a:noFill/>
+          <a:ln/>
+        </p:spPr>
+        <p:txBody>
+          <a:bodyPr vert="horz" lIns="91440" tIns="45720" rIns="91440" bIns="45720" rtlCol="0" anchor="ctr">
+            <a:normAutofit fontScale="90000" lnSpcReduction="20000"/>
+          </a:bodyPr>
+          <a:lstStyle>
+            <a:lvl1pPr algn="l" defTabSz="914400" rtl="0" eaLnBrk="1" latinLnBrk="0" hangingPunct="1">
+              <a:lnSpc>
+                <a:spcPct val="80000"/>
+              </a:lnSpc>
+              <a:spcBef>
+                <a:spcPct val="0"/>
+              </a:spcBef>
+              <a:buNone/>
+              <a:defRPr sz="9600" kern="1200" cap="all" baseline="0">
+                <a:blipFill dpi="0" rotWithShape="1">
+                  <a:blip r:embed="rId2"/>
+                  <a:srcRect/>
+                  <a:tile tx="6350" ty="-127000" sx="65000" sy="64000" flip="none" algn="tl"/>
+                </a:blipFill>
+                <a:latin typeface="+mj-lt"/>
+                <a:ea typeface="+mj-ea"/>
+                <a:cs typeface="+mj-cs"/>
+              </a:defRPr>
+            </a:lvl1pPr>
+          </a:lstStyle>
+          <a:p>
+            <a:pPr algn="ctr"/>
+            <a:br>
+              <a:rPr lang="en-US" sz="3600" b="1" dirty="0">
+                <a:solidFill>
+                  <a:schemeClr val="tx1"/>
+                </a:solidFill>
+                <a:latin typeface="Arial" pitchFamily="34" charset="0"/>
+                <a:cs typeface="Arial" pitchFamily="34" charset="0"/>
+              </a:rPr>
+            </a:br>
+            <a:r>
+              <a:rPr lang="en-US" sz="3600" dirty="0">
+                <a:solidFill>
+                  <a:schemeClr val="tx1"/>
+                </a:solidFill>
+                <a:latin typeface="Arial" pitchFamily="34" charset="0"/>
+                <a:cs typeface="Arial" pitchFamily="34" charset="0"/>
+              </a:rPr>
+              <a:t>Dr. </a:t>
+            </a:r>
+            <a:r>
+              <a:rPr lang="en-US" sz="3600" dirty="0" err="1">
+                <a:solidFill>
+                  <a:schemeClr val="tx1"/>
+                </a:solidFill>
+                <a:latin typeface="Arial" pitchFamily="34" charset="0"/>
+                <a:cs typeface="Arial" pitchFamily="34" charset="0"/>
+              </a:rPr>
+              <a:t>Shafqat</a:t>
+            </a:r>
+            <a:r>
+              <a:rPr lang="en-US" sz="3600" dirty="0">
+                <a:solidFill>
+                  <a:schemeClr val="tx1"/>
+                </a:solidFill>
+                <a:latin typeface="Arial" pitchFamily="34" charset="0"/>
+                <a:cs typeface="Arial" pitchFamily="34" charset="0"/>
+              </a:rPr>
+              <a:t> Ali Shad</a:t>
+            </a:r>
+            <a:endParaRPr lang="en-US" sz="3600" b="1" dirty="0">
+              <a:solidFill>
+                <a:schemeClr val="tx1"/>
+              </a:solidFill>
+              <a:latin typeface="Arial" pitchFamily="34" charset="0"/>
+              <a:cs typeface="Arial" pitchFamily="34" charset="0"/>
+            </a:endParaRPr>
           </a:p>
         </p:txBody>
       </p:sp>
@@ -4529,6 +4638,629 @@
     <p:extLst>
       <p:ext uri="{BB962C8B-B14F-4D97-AF65-F5344CB8AC3E}">
         <p14:creationId xmlns:p14="http://schemas.microsoft.com/office/powerpoint/2010/main" val="210860514"/>
+      </p:ext>
+    </p:extLst>
+  </p:cSld>
+  <p:clrMapOvr>
+    <a:masterClrMapping/>
+  </p:clrMapOvr>
+</p:sld>
+</file>
+
+<file path=ppt/slides/slide10.xml><?xml version="1.0" encoding="utf-8"?>
+<p:sld xmlns:a="http://schemas.openxmlformats.org/drawingml/2006/main" xmlns:r="http://schemas.openxmlformats.org/officeDocument/2006/relationships" xmlns:p="http://schemas.openxmlformats.org/presentationml/2006/main">
+  <p:cSld>
+    <p:spTree>
+      <p:nvGrpSpPr>
+        <p:cNvPr id="1" name=""/>
+        <p:cNvGrpSpPr/>
+        <p:nvPr/>
+      </p:nvGrpSpPr>
+      <p:grpSpPr>
+        <a:xfrm>
+          <a:off x="0" y="0"/>
+          <a:ext cx="0" cy="0"/>
+          <a:chOff x="0" y="0"/>
+          <a:chExt cx="0" cy="0"/>
+        </a:xfrm>
+      </p:grpSpPr>
+      <p:sp>
+        <p:nvSpPr>
+          <p:cNvPr id="2" name="Title 1">
+            <a:extLst>
+              <a:ext uri="{FF2B5EF4-FFF2-40B4-BE49-F238E27FC236}">
+                <a16:creationId xmlns:a16="http://schemas.microsoft.com/office/drawing/2014/main" id="{25865631-55F1-406C-B251-576A4751FB27}"/>
+              </a:ext>
+            </a:extLst>
+          </p:cNvPr>
+          <p:cNvSpPr>
+            <a:spLocks noGrp="1"/>
+          </p:cNvSpPr>
+          <p:nvPr>
+            <p:ph type="title"/>
+          </p:nvPr>
+        </p:nvSpPr>
+        <p:spPr>
+          <a:xfrm>
+            <a:off x="1069848" y="484632"/>
+            <a:ext cx="7713934" cy="873113"/>
+          </a:xfrm>
+        </p:spPr>
+        <p:txBody>
+          <a:bodyPr/>
+          <a:lstStyle/>
+          <a:p>
+            <a:r>
+              <a:rPr lang="en-US" b="1" dirty="0"/>
+              <a:t>Data Access Layer (DAO)</a:t>
+            </a:r>
+            <a:endParaRPr lang="en-US" dirty="0"/>
+          </a:p>
+        </p:txBody>
+      </p:sp>
+      <p:pic>
+        <p:nvPicPr>
+          <p:cNvPr id="4" name="Picture 3" descr="UML/DAO%20-%20Class%20Diagram.jpg">
+            <a:extLst>
+              <a:ext uri="{FF2B5EF4-FFF2-40B4-BE49-F238E27FC236}">
+                <a16:creationId xmlns:a16="http://schemas.microsoft.com/office/drawing/2014/main" id="{2E3452CF-721E-4391-AB41-FE55654E8B58}"/>
+              </a:ext>
+            </a:extLst>
+          </p:cNvPr>
+          <p:cNvPicPr/>
+          <p:nvPr/>
+        </p:nvPicPr>
+        <p:blipFill>
+          <a:blip r:embed="rId2" cstate="print">
+            <a:extLst>
+              <a:ext uri="{28A0092B-C50C-407E-A947-70E740481C1C}">
+                <a14:useLocalDpi xmlns:a14="http://schemas.microsoft.com/office/drawing/2010/main" val="0"/>
+              </a:ext>
+            </a:extLst>
+          </a:blip>
+          <a:srcRect/>
+          <a:stretch>
+            <a:fillRect/>
+          </a:stretch>
+        </p:blipFill>
+        <p:spPr bwMode="auto">
+          <a:xfrm>
+            <a:off x="1069848" y="1357744"/>
+            <a:ext cx="9364472" cy="5368175"/>
+          </a:xfrm>
+          <a:prstGeom prst="rect">
+            <a:avLst/>
+          </a:prstGeom>
+          <a:noFill/>
+          <a:ln>
+            <a:noFill/>
+          </a:ln>
+        </p:spPr>
+      </p:pic>
+    </p:spTree>
+    <p:extLst>
+      <p:ext uri="{BB962C8B-B14F-4D97-AF65-F5344CB8AC3E}">
+        <p14:creationId xmlns:p14="http://schemas.microsoft.com/office/powerpoint/2010/main" val="3885676331"/>
+      </p:ext>
+    </p:extLst>
+  </p:cSld>
+  <p:clrMapOvr>
+    <a:masterClrMapping/>
+  </p:clrMapOvr>
+</p:sld>
+</file>
+
+<file path=ppt/slides/slide11.xml><?xml version="1.0" encoding="utf-8"?>
+<p:sld xmlns:a="http://schemas.openxmlformats.org/drawingml/2006/main" xmlns:r="http://schemas.openxmlformats.org/officeDocument/2006/relationships" xmlns:p="http://schemas.openxmlformats.org/presentationml/2006/main">
+  <p:cSld>
+    <p:spTree>
+      <p:nvGrpSpPr>
+        <p:cNvPr id="1" name=""/>
+        <p:cNvGrpSpPr/>
+        <p:nvPr/>
+      </p:nvGrpSpPr>
+      <p:grpSpPr>
+        <a:xfrm>
+          <a:off x="0" y="0"/>
+          <a:ext cx="0" cy="0"/>
+          <a:chOff x="0" y="0"/>
+          <a:chExt cx="0" cy="0"/>
+        </a:xfrm>
+      </p:grpSpPr>
+      <p:sp>
+        <p:nvSpPr>
+          <p:cNvPr id="2" name="Title 1">
+            <a:extLst>
+              <a:ext uri="{FF2B5EF4-FFF2-40B4-BE49-F238E27FC236}">
+                <a16:creationId xmlns:a16="http://schemas.microsoft.com/office/drawing/2014/main" id="{47ACD7B8-980F-4F83-8841-A7838930C7AE}"/>
+              </a:ext>
+            </a:extLst>
+          </p:cNvPr>
+          <p:cNvSpPr>
+            <a:spLocks noGrp="1"/>
+          </p:cNvSpPr>
+          <p:nvPr>
+            <p:ph type="title"/>
+          </p:nvPr>
+        </p:nvSpPr>
+        <p:spPr/>
+        <p:txBody>
+          <a:bodyPr/>
+          <a:lstStyle/>
+          <a:p>
+            <a:r>
+              <a:rPr lang="en-US" b="1" dirty="0"/>
+              <a:t>Sequence - Sign Up</a:t>
+            </a:r>
+            <a:endParaRPr lang="en-US" dirty="0"/>
+          </a:p>
+        </p:txBody>
+      </p:sp>
+      <p:pic>
+        <p:nvPicPr>
+          <p:cNvPr id="5" name="Picture 4" descr="../../../../../../Desktop/Signup.jp">
+            <a:extLst>
+              <a:ext uri="{FF2B5EF4-FFF2-40B4-BE49-F238E27FC236}">
+                <a16:creationId xmlns:a16="http://schemas.microsoft.com/office/drawing/2014/main" id="{48960324-722C-44DC-8129-6915A31F7CAB}"/>
+              </a:ext>
+            </a:extLst>
+          </p:cNvPr>
+          <p:cNvPicPr/>
+          <p:nvPr/>
+        </p:nvPicPr>
+        <p:blipFill>
+          <a:blip r:embed="rId2" cstate="print">
+            <a:extLst>
+              <a:ext uri="{28A0092B-C50C-407E-A947-70E740481C1C}">
+                <a14:useLocalDpi xmlns:a14="http://schemas.microsoft.com/office/drawing/2010/main" val="0"/>
+              </a:ext>
+            </a:extLst>
+          </a:blip>
+          <a:srcRect/>
+          <a:stretch>
+            <a:fillRect/>
+          </a:stretch>
+        </p:blipFill>
+        <p:spPr bwMode="auto">
+          <a:xfrm>
+            <a:off x="1069848" y="1835467"/>
+            <a:ext cx="8795512" cy="5022533"/>
+          </a:xfrm>
+          <a:prstGeom prst="rect">
+            <a:avLst/>
+          </a:prstGeom>
+          <a:noFill/>
+          <a:ln>
+            <a:noFill/>
+          </a:ln>
+        </p:spPr>
+      </p:pic>
+    </p:spTree>
+    <p:extLst>
+      <p:ext uri="{BB962C8B-B14F-4D97-AF65-F5344CB8AC3E}">
+        <p14:creationId xmlns:p14="http://schemas.microsoft.com/office/powerpoint/2010/main" val="3305119077"/>
+      </p:ext>
+    </p:extLst>
+  </p:cSld>
+  <p:clrMapOvr>
+    <a:masterClrMapping/>
+  </p:clrMapOvr>
+</p:sld>
+</file>
+
+<file path=ppt/slides/slide12.xml><?xml version="1.0" encoding="utf-8"?>
+<p:sld xmlns:a="http://schemas.openxmlformats.org/drawingml/2006/main" xmlns:r="http://schemas.openxmlformats.org/officeDocument/2006/relationships" xmlns:p="http://schemas.openxmlformats.org/presentationml/2006/main">
+  <p:cSld>
+    <p:spTree>
+      <p:nvGrpSpPr>
+        <p:cNvPr id="1" name=""/>
+        <p:cNvGrpSpPr/>
+        <p:nvPr/>
+      </p:nvGrpSpPr>
+      <p:grpSpPr>
+        <a:xfrm>
+          <a:off x="0" y="0"/>
+          <a:ext cx="0" cy="0"/>
+          <a:chOff x="0" y="0"/>
+          <a:chExt cx="0" cy="0"/>
+        </a:xfrm>
+      </p:grpSpPr>
+      <p:sp>
+        <p:nvSpPr>
+          <p:cNvPr id="2" name="Title 1">
+            <a:extLst>
+              <a:ext uri="{FF2B5EF4-FFF2-40B4-BE49-F238E27FC236}">
+                <a16:creationId xmlns:a16="http://schemas.microsoft.com/office/drawing/2014/main" id="{BD068A7A-F828-4323-8F9B-7B6A8E546CCF}"/>
+              </a:ext>
+            </a:extLst>
+          </p:cNvPr>
+          <p:cNvSpPr>
+            <a:spLocks noGrp="1"/>
+          </p:cNvSpPr>
+          <p:nvPr>
+            <p:ph type="title"/>
+          </p:nvPr>
+        </p:nvSpPr>
+        <p:spPr>
+          <a:xfrm>
+            <a:off x="1069848" y="484632"/>
+            <a:ext cx="4924552" cy="968248"/>
+          </a:xfrm>
+        </p:spPr>
+        <p:txBody>
+          <a:bodyPr/>
+          <a:lstStyle/>
+          <a:p>
+            <a:r>
+              <a:rPr lang="en-US" dirty="0"/>
+              <a:t>Sequence – login</a:t>
+            </a:r>
+          </a:p>
+        </p:txBody>
+      </p:sp>
+      <p:pic>
+        <p:nvPicPr>
+          <p:cNvPr id="4" name="Picture 3" descr="../../../../../../Desktop/Login.jp">
+            <a:extLst>
+              <a:ext uri="{FF2B5EF4-FFF2-40B4-BE49-F238E27FC236}">
+                <a16:creationId xmlns:a16="http://schemas.microsoft.com/office/drawing/2014/main" id="{862493E5-0C3A-4EFE-BCA2-76F21D60FF96}"/>
+              </a:ext>
+            </a:extLst>
+          </p:cNvPr>
+          <p:cNvPicPr/>
+          <p:nvPr/>
+        </p:nvPicPr>
+        <p:blipFill>
+          <a:blip r:embed="rId2" cstate="print">
+            <a:extLst>
+              <a:ext uri="{28A0092B-C50C-407E-A947-70E740481C1C}">
+                <a14:useLocalDpi xmlns:a14="http://schemas.microsoft.com/office/drawing/2010/main" val="0"/>
+              </a:ext>
+            </a:extLst>
+          </a:blip>
+          <a:srcRect/>
+          <a:stretch>
+            <a:fillRect/>
+          </a:stretch>
+        </p:blipFill>
+        <p:spPr bwMode="auto">
+          <a:xfrm>
+            <a:off x="1069848" y="1371600"/>
+            <a:ext cx="8856472" cy="5486400"/>
+          </a:xfrm>
+          <a:prstGeom prst="rect">
+            <a:avLst/>
+          </a:prstGeom>
+          <a:noFill/>
+          <a:ln>
+            <a:noFill/>
+          </a:ln>
+        </p:spPr>
+      </p:pic>
+    </p:spTree>
+    <p:extLst>
+      <p:ext uri="{BB962C8B-B14F-4D97-AF65-F5344CB8AC3E}">
+        <p14:creationId xmlns:p14="http://schemas.microsoft.com/office/powerpoint/2010/main" val="4133311800"/>
+      </p:ext>
+    </p:extLst>
+  </p:cSld>
+  <p:clrMapOvr>
+    <a:masterClrMapping/>
+  </p:clrMapOvr>
+</p:sld>
+</file>
+
+<file path=ppt/slides/slide13.xml><?xml version="1.0" encoding="utf-8"?>
+<p:sld xmlns:a="http://schemas.openxmlformats.org/drawingml/2006/main" xmlns:r="http://schemas.openxmlformats.org/officeDocument/2006/relationships" xmlns:p="http://schemas.openxmlformats.org/presentationml/2006/main">
+  <p:cSld>
+    <p:spTree>
+      <p:nvGrpSpPr>
+        <p:cNvPr id="1" name=""/>
+        <p:cNvGrpSpPr/>
+        <p:nvPr/>
+      </p:nvGrpSpPr>
+      <p:grpSpPr>
+        <a:xfrm>
+          <a:off x="0" y="0"/>
+          <a:ext cx="0" cy="0"/>
+          <a:chOff x="0" y="0"/>
+          <a:chExt cx="0" cy="0"/>
+        </a:xfrm>
+      </p:grpSpPr>
+      <p:sp>
+        <p:nvSpPr>
+          <p:cNvPr id="2" name="Title 1">
+            <a:extLst>
+              <a:ext uri="{FF2B5EF4-FFF2-40B4-BE49-F238E27FC236}">
+                <a16:creationId xmlns:a16="http://schemas.microsoft.com/office/drawing/2014/main" id="{5B010552-7E76-4CA6-B33D-DA27BB4DC3C1}"/>
+              </a:ext>
+            </a:extLst>
+          </p:cNvPr>
+          <p:cNvSpPr>
+            <a:spLocks noGrp="1"/>
+          </p:cNvSpPr>
+          <p:nvPr>
+            <p:ph type="title"/>
+          </p:nvPr>
+        </p:nvSpPr>
+        <p:spPr/>
+        <p:txBody>
+          <a:bodyPr/>
+          <a:lstStyle/>
+          <a:p>
+            <a:r>
+              <a:rPr lang="en-US" dirty="0"/>
+              <a:t>Sequence - </a:t>
+            </a:r>
+            <a:r>
+              <a:rPr lang="en-US" b="1" dirty="0"/>
+              <a:t>Add Shopping Cart</a:t>
+            </a:r>
+            <a:endParaRPr lang="en-US" dirty="0"/>
+          </a:p>
+        </p:txBody>
+      </p:sp>
+      <p:pic>
+        <p:nvPicPr>
+          <p:cNvPr id="4" name="Picture 3" descr="../../../../../../Desktop/SequenceDiagram1.jp">
+            <a:extLst>
+              <a:ext uri="{FF2B5EF4-FFF2-40B4-BE49-F238E27FC236}">
+                <a16:creationId xmlns:a16="http://schemas.microsoft.com/office/drawing/2014/main" id="{84A2D995-F80D-4060-8CA8-81656A9DBF13}"/>
+              </a:ext>
+            </a:extLst>
+          </p:cNvPr>
+          <p:cNvPicPr/>
+          <p:nvPr/>
+        </p:nvPicPr>
+        <p:blipFill>
+          <a:blip r:embed="rId2" cstate="print">
+            <a:extLst>
+              <a:ext uri="{28A0092B-C50C-407E-A947-70E740481C1C}">
+                <a14:useLocalDpi xmlns:a14="http://schemas.microsoft.com/office/drawing/2010/main" val="0"/>
+              </a:ext>
+            </a:extLst>
+          </a:blip>
+          <a:srcRect/>
+          <a:stretch>
+            <a:fillRect/>
+          </a:stretch>
+        </p:blipFill>
+        <p:spPr bwMode="auto">
+          <a:xfrm>
+            <a:off x="1069848" y="1736869"/>
+            <a:ext cx="7423912" cy="5121131"/>
+          </a:xfrm>
+          <a:prstGeom prst="rect">
+            <a:avLst/>
+          </a:prstGeom>
+          <a:noFill/>
+          <a:ln>
+            <a:noFill/>
+          </a:ln>
+        </p:spPr>
+      </p:pic>
+    </p:spTree>
+    <p:extLst>
+      <p:ext uri="{BB962C8B-B14F-4D97-AF65-F5344CB8AC3E}">
+        <p14:creationId xmlns:p14="http://schemas.microsoft.com/office/powerpoint/2010/main" val="1687612246"/>
+      </p:ext>
+    </p:extLst>
+  </p:cSld>
+  <p:clrMapOvr>
+    <a:masterClrMapping/>
+  </p:clrMapOvr>
+</p:sld>
+</file>
+
+<file path=ppt/slides/slide14.xml><?xml version="1.0" encoding="utf-8"?>
+<p:sld xmlns:a="http://schemas.openxmlformats.org/drawingml/2006/main" xmlns:r="http://schemas.openxmlformats.org/officeDocument/2006/relationships" xmlns:p="http://schemas.openxmlformats.org/presentationml/2006/main">
+  <p:cSld>
+    <p:spTree>
+      <p:nvGrpSpPr>
+        <p:cNvPr id="1" name=""/>
+        <p:cNvGrpSpPr/>
+        <p:nvPr/>
+      </p:nvGrpSpPr>
+      <p:grpSpPr>
+        <a:xfrm>
+          <a:off x="0" y="0"/>
+          <a:ext cx="0" cy="0"/>
+          <a:chOff x="0" y="0"/>
+          <a:chExt cx="0" cy="0"/>
+        </a:xfrm>
+      </p:grpSpPr>
+      <p:sp>
+        <p:nvSpPr>
+          <p:cNvPr id="2" name="Title 1">
+            <a:extLst>
+              <a:ext uri="{FF2B5EF4-FFF2-40B4-BE49-F238E27FC236}">
+                <a16:creationId xmlns:a16="http://schemas.microsoft.com/office/drawing/2014/main" id="{837E05B3-0040-4D7D-87EC-AE9899A8EC9D}"/>
+              </a:ext>
+            </a:extLst>
+          </p:cNvPr>
+          <p:cNvSpPr>
+            <a:spLocks noGrp="1"/>
+          </p:cNvSpPr>
+          <p:nvPr>
+            <p:ph type="title"/>
+          </p:nvPr>
+        </p:nvSpPr>
+        <p:spPr/>
+        <p:txBody>
+          <a:bodyPr/>
+          <a:lstStyle/>
+          <a:p>
+            <a:r>
+              <a:rPr lang="en-US" dirty="0"/>
+              <a:t>Sequence - </a:t>
+            </a:r>
+            <a:r>
+              <a:rPr lang="en-US" b="1" dirty="0"/>
+              <a:t>View Order</a:t>
+            </a:r>
+            <a:endParaRPr lang="en-US" dirty="0"/>
+          </a:p>
+        </p:txBody>
+      </p:sp>
+      <p:pic>
+        <p:nvPicPr>
+          <p:cNvPr id="4" name="Picture 3" descr="../../../../../../Desktop/ViewOrder.jp">
+            <a:extLst>
+              <a:ext uri="{FF2B5EF4-FFF2-40B4-BE49-F238E27FC236}">
+                <a16:creationId xmlns:a16="http://schemas.microsoft.com/office/drawing/2014/main" id="{0D0B2218-E380-4B38-973E-2C39448F27FC}"/>
+              </a:ext>
+            </a:extLst>
+          </p:cNvPr>
+          <p:cNvPicPr/>
+          <p:nvPr/>
+        </p:nvPicPr>
+        <p:blipFill>
+          <a:blip r:embed="rId2" cstate="print">
+            <a:extLst>
+              <a:ext uri="{28A0092B-C50C-407E-A947-70E740481C1C}">
+                <a14:useLocalDpi xmlns:a14="http://schemas.microsoft.com/office/drawing/2010/main" val="0"/>
+              </a:ext>
+            </a:extLst>
+          </a:blip>
+          <a:srcRect/>
+          <a:stretch>
+            <a:fillRect/>
+          </a:stretch>
+        </p:blipFill>
+        <p:spPr bwMode="auto">
+          <a:xfrm>
+            <a:off x="1069848" y="1695595"/>
+            <a:ext cx="6222365" cy="5162406"/>
+          </a:xfrm>
+          <a:prstGeom prst="rect">
+            <a:avLst/>
+          </a:prstGeom>
+          <a:noFill/>
+          <a:ln>
+            <a:noFill/>
+          </a:ln>
+        </p:spPr>
+      </p:pic>
+    </p:spTree>
+    <p:extLst>
+      <p:ext uri="{BB962C8B-B14F-4D97-AF65-F5344CB8AC3E}">
+        <p14:creationId xmlns:p14="http://schemas.microsoft.com/office/powerpoint/2010/main" val="3732194138"/>
+      </p:ext>
+    </p:extLst>
+  </p:cSld>
+  <p:clrMapOvr>
+    <a:masterClrMapping/>
+  </p:clrMapOvr>
+</p:sld>
+</file>
+
+<file path=ppt/slides/slide15.xml><?xml version="1.0" encoding="utf-8"?>
+<p:sld xmlns:a="http://schemas.openxmlformats.org/drawingml/2006/main" xmlns:r="http://schemas.openxmlformats.org/officeDocument/2006/relationships" xmlns:p="http://schemas.openxmlformats.org/presentationml/2006/main">
+  <p:cSld>
+    <p:spTree>
+      <p:nvGrpSpPr>
+        <p:cNvPr id="1" name=""/>
+        <p:cNvGrpSpPr/>
+        <p:nvPr/>
+      </p:nvGrpSpPr>
+      <p:grpSpPr>
+        <a:xfrm>
+          <a:off x="0" y="0"/>
+          <a:ext cx="0" cy="0"/>
+          <a:chOff x="0" y="0"/>
+          <a:chExt cx="0" cy="0"/>
+        </a:xfrm>
+      </p:grpSpPr>
+      <p:sp>
+        <p:nvSpPr>
+          <p:cNvPr id="2" name="Title 1"/>
+          <p:cNvSpPr>
+            <a:spLocks noGrp="1"/>
+          </p:cNvSpPr>
+          <p:nvPr>
+            <p:ph type="title"/>
+          </p:nvPr>
+        </p:nvSpPr>
+        <p:spPr/>
+        <p:txBody>
+          <a:bodyPr/>
+          <a:lstStyle/>
+          <a:p>
+            <a:r>
+              <a:rPr lang="en-US" dirty="0"/>
+              <a:t>demo</a:t>
+            </a:r>
+          </a:p>
+        </p:txBody>
+      </p:sp>
+      <p:sp>
+        <p:nvSpPr>
+          <p:cNvPr id="3" name="Content Placeholder 2"/>
+          <p:cNvSpPr>
+            <a:spLocks noGrp="1"/>
+          </p:cNvSpPr>
+          <p:nvPr>
+            <p:ph idx="1"/>
+          </p:nvPr>
+        </p:nvSpPr>
+        <p:spPr/>
+        <p:txBody>
+          <a:bodyPr/>
+          <a:lstStyle/>
+          <a:p>
+            <a:r>
+              <a:rPr lang="en-US" dirty="0"/>
+              <a:t>Sign up</a:t>
+            </a:r>
+          </a:p>
+          <a:p>
+            <a:r>
+              <a:rPr lang="en-US" dirty="0"/>
+              <a:t>Login</a:t>
+            </a:r>
+          </a:p>
+          <a:p>
+            <a:r>
+              <a:rPr lang="en-US" dirty="0"/>
+              <a:t>Choose Product</a:t>
+            </a:r>
+          </a:p>
+          <a:p>
+            <a:r>
+              <a:rPr lang="en-US" dirty="0"/>
+              <a:t>Manage Shopping Cart</a:t>
+            </a:r>
+          </a:p>
+          <a:p>
+            <a:r>
+              <a:rPr lang="en-US" dirty="0"/>
+              <a:t>Check Out </a:t>
+            </a:r>
+          </a:p>
+          <a:p>
+            <a:r>
+              <a:rPr lang="en-US" dirty="0"/>
+              <a:t>Buy 1-Click </a:t>
+            </a:r>
+          </a:p>
+          <a:p>
+            <a:r>
+              <a:rPr lang="en-US" dirty="0"/>
+              <a:t>Update Profile </a:t>
+            </a:r>
+          </a:p>
+          <a:p>
+            <a:r>
+              <a:rPr lang="en-US" dirty="0"/>
+              <a:t>View Order History</a:t>
+            </a:r>
+          </a:p>
+        </p:txBody>
+      </p:sp>
+    </p:spTree>
+    <p:extLst>
+      <p:ext uri="{BB962C8B-B14F-4D97-AF65-F5344CB8AC3E}">
+        <p14:creationId xmlns:p14="http://schemas.microsoft.com/office/powerpoint/2010/main" val="918076206"/>
       </p:ext>
     </p:extLst>
   </p:cSld>
@@ -4571,10 +5303,9 @@
           <a:lstStyle/>
           <a:p>
             <a:r>
-              <a:rPr lang="en-US" dirty="0" smtClean="0"/>
+              <a:rPr lang="en-US" dirty="0"/>
               <a:t>Content</a:t>
             </a:r>
-            <a:endParaRPr lang="en-US" dirty="0"/>
           </a:p>
         </p:txBody>
       </p:sp>
@@ -4596,34 +5327,39 @@
           <a:lstStyle/>
           <a:p>
             <a:r>
-              <a:rPr lang="en-US" sz="2800" dirty="0" smtClean="0"/>
+              <a:rPr lang="en-US" sz="2800" dirty="0"/>
+              <a:t>Wholeness</a:t>
+            </a:r>
+          </a:p>
+          <a:p>
+            <a:r>
+              <a:rPr lang="en-US" sz="2800" dirty="0"/>
               <a:t>Use Cases</a:t>
             </a:r>
           </a:p>
           <a:p>
             <a:r>
-              <a:rPr lang="en-US" sz="2800" dirty="0" smtClean="0"/>
+              <a:rPr lang="en-US" sz="2800" dirty="0"/>
               <a:t>Technologies</a:t>
             </a:r>
           </a:p>
           <a:p>
             <a:r>
-              <a:rPr lang="en-US" sz="2800" dirty="0" smtClean="0"/>
+              <a:rPr lang="en-US" sz="2800" dirty="0"/>
               <a:t>Architecture</a:t>
             </a:r>
           </a:p>
           <a:p>
             <a:r>
-              <a:rPr lang="en-US" sz="2800" dirty="0" smtClean="0"/>
+              <a:rPr lang="en-US" sz="2800" dirty="0"/>
               <a:t>Diagrams</a:t>
             </a:r>
           </a:p>
           <a:p>
             <a:r>
-              <a:rPr lang="en-US" sz="2800" dirty="0" smtClean="0"/>
+              <a:rPr lang="en-US" sz="2800" dirty="0"/>
               <a:t>Demo</a:t>
             </a:r>
-            <a:endParaRPr lang="en-US" sz="2800" dirty="0"/>
           </a:p>
         </p:txBody>
       </p:sp>
@@ -4637,13 +5373,6 @@
   <p:clrMapOvr>
     <a:masterClrMapping/>
   </p:clrMapOvr>
-  <p:timing>
-    <p:tnLst>
-      <p:par>
-        <p:cTn id="1" dur="indefinite" restart="never" nodeType="tmRoot"/>
-      </p:par>
-    </p:tnLst>
-  </p:timing>
 </p:sld>
 </file>
 
@@ -4666,6 +5395,127 @@
       </p:grpSpPr>
       <p:sp>
         <p:nvSpPr>
+          <p:cNvPr id="2" name="Title 1">
+            <a:extLst>
+              <a:ext uri="{FF2B5EF4-FFF2-40B4-BE49-F238E27FC236}">
+                <a16:creationId xmlns:a16="http://schemas.microsoft.com/office/drawing/2014/main" id="{AE6A8E75-DDD5-42CF-8B16-5E860820996C}"/>
+              </a:ext>
+            </a:extLst>
+          </p:cNvPr>
+          <p:cNvSpPr>
+            <a:spLocks noGrp="1"/>
+          </p:cNvSpPr>
+          <p:nvPr>
+            <p:ph type="title"/>
+          </p:nvPr>
+        </p:nvSpPr>
+        <p:spPr/>
+        <p:txBody>
+          <a:bodyPr/>
+          <a:lstStyle/>
+          <a:p>
+            <a:r>
+              <a:rPr lang="en-US" dirty="0"/>
+              <a:t>Wholeness</a:t>
+            </a:r>
+          </a:p>
+        </p:txBody>
+      </p:sp>
+      <p:sp>
+        <p:nvSpPr>
+          <p:cNvPr id="3" name="Content Placeholder 2">
+            <a:extLst>
+              <a:ext uri="{FF2B5EF4-FFF2-40B4-BE49-F238E27FC236}">
+                <a16:creationId xmlns:a16="http://schemas.microsoft.com/office/drawing/2014/main" id="{37C6975E-C67C-4BD5-BC6A-9117B5AB379A}"/>
+              </a:ext>
+            </a:extLst>
+          </p:cNvPr>
+          <p:cNvSpPr>
+            <a:spLocks noGrp="1"/>
+          </p:cNvSpPr>
+          <p:nvPr>
+            <p:ph idx="1"/>
+          </p:nvPr>
+        </p:nvSpPr>
+        <p:spPr>
+          <a:xfrm>
+            <a:off x="1069848" y="1668825"/>
+            <a:ext cx="10058400" cy="4852047"/>
+          </a:xfrm>
+        </p:spPr>
+        <p:txBody>
+          <a:bodyPr>
+            <a:noAutofit/>
+          </a:bodyPr>
+          <a:lstStyle/>
+          <a:p>
+            <a:r>
+              <a:rPr lang="en-US" sz="1600" dirty="0"/>
+              <a:t>Supermarket Shopping Application (SSA) will enable customers to buy products, as well as proceed checkout their shopping card toward make payment for their order. Also, they can track their order history if they have registered an user account in application. Moreover, they can update their profile, as well as update the payment information which includes credit/debit card information and shipping address. </a:t>
+            </a:r>
+          </a:p>
+          <a:p>
+            <a:r>
+              <a:rPr lang="en-US" sz="1600" dirty="0"/>
+              <a:t>When a customer first open SSA, he/she views products from home screen. Products are organized follow category list. He/she adds products to their shopping cart and continue shopping or they proceed checking out. Also, SSA will verify the product from stock whether these products are available. </a:t>
+            </a:r>
+          </a:p>
+          <a:p>
+            <a:r>
+              <a:rPr lang="en-US" sz="1600" dirty="0"/>
+              <a:t>For customers who have logged in to application which the shipping information and payment information supplied, he/she has more “Buy 1-Click” feature on a specified product. Also, they can enable or disable this feature from their settings. </a:t>
+            </a:r>
+          </a:p>
+          <a:p>
+            <a:r>
+              <a:rPr lang="en-US" sz="1600" dirty="0"/>
+              <a:t>Once the customer has completed choosing products, customers can proceed checking out their shopping cart. The SSA also will look up the promotion information whether there are any discounts applying to products in this shopping cart. After that, customer can go to payment screen to complete their order by supplying the bank card information, as well as the shipping information. </a:t>
+            </a:r>
+          </a:p>
+          <a:p>
+            <a:r>
+              <a:rPr lang="en-US" sz="1600" dirty="0"/>
+              <a:t>Especially, customer will belong to different types Standard, Silver and Gold. When customer first register to the SSA, their type are Standard. They can be promoted to another type depend on total amount of their order values in the history. He/she also will receive a discount percentage on next their orders in future. </a:t>
+            </a:r>
+            <a:br>
+              <a:rPr lang="en-US" sz="1500" dirty="0"/>
+            </a:br>
+            <a:endParaRPr lang="en-US" sz="1500" dirty="0"/>
+          </a:p>
+        </p:txBody>
+      </p:sp>
+    </p:spTree>
+    <p:extLst>
+      <p:ext uri="{BB962C8B-B14F-4D97-AF65-F5344CB8AC3E}">
+        <p14:creationId xmlns:p14="http://schemas.microsoft.com/office/powerpoint/2010/main" val="4181369036"/>
+      </p:ext>
+    </p:extLst>
+  </p:cSld>
+  <p:clrMapOvr>
+    <a:masterClrMapping/>
+  </p:clrMapOvr>
+</p:sld>
+</file>
+
+<file path=ppt/slides/slide4.xml><?xml version="1.0" encoding="utf-8"?>
+<p:sld xmlns:a="http://schemas.openxmlformats.org/drawingml/2006/main" xmlns:r="http://schemas.openxmlformats.org/officeDocument/2006/relationships" xmlns:p="http://schemas.openxmlformats.org/presentationml/2006/main">
+  <p:cSld>
+    <p:spTree>
+      <p:nvGrpSpPr>
+        <p:cNvPr id="1" name=""/>
+        <p:cNvGrpSpPr/>
+        <p:nvPr/>
+      </p:nvGrpSpPr>
+      <p:grpSpPr>
+        <a:xfrm>
+          <a:off x="0" y="0"/>
+          <a:ext cx="0" cy="0"/>
+          <a:chOff x="0" y="0"/>
+          <a:chExt cx="0" cy="0"/>
+        </a:xfrm>
+      </p:grpSpPr>
+      <p:sp>
+        <p:nvSpPr>
           <p:cNvPr id="2" name="Title 1"/>
           <p:cNvSpPr>
             <a:spLocks noGrp="1"/>
@@ -4680,10 +5530,9 @@
           <a:lstStyle/>
           <a:p>
             <a:r>
-              <a:rPr lang="en-US" dirty="0" smtClean="0"/>
+              <a:rPr lang="en-US" dirty="0"/>
               <a:t>Use cases</a:t>
             </a:r>
-            <a:endParaRPr lang="en-US" dirty="0"/>
           </a:p>
         </p:txBody>
       </p:sp>
@@ -4721,106 +5570,6 @@
     <p:extLst>
       <p:ext uri="{BB962C8B-B14F-4D97-AF65-F5344CB8AC3E}">
         <p14:creationId xmlns:p14="http://schemas.microsoft.com/office/powerpoint/2010/main" val="440056163"/>
-      </p:ext>
-    </p:extLst>
-  </p:cSld>
-  <p:clrMapOvr>
-    <a:masterClrMapping/>
-  </p:clrMapOvr>
-  <p:timing>
-    <p:tnLst>
-      <p:par>
-        <p:cTn id="1" dur="indefinite" restart="never" nodeType="tmRoot"/>
-      </p:par>
-    </p:tnLst>
-  </p:timing>
-</p:sld>
-</file>
-
-<file path=ppt/slides/slide4.xml><?xml version="1.0" encoding="utf-8"?>
-<p:sld xmlns:a="http://schemas.openxmlformats.org/drawingml/2006/main" xmlns:r="http://schemas.openxmlformats.org/officeDocument/2006/relationships" xmlns:p="http://schemas.openxmlformats.org/presentationml/2006/main">
-  <p:cSld>
-    <p:spTree>
-      <p:nvGrpSpPr>
-        <p:cNvPr id="1" name=""/>
-        <p:cNvGrpSpPr/>
-        <p:nvPr/>
-      </p:nvGrpSpPr>
-      <p:grpSpPr>
-        <a:xfrm>
-          <a:off x="0" y="0"/>
-          <a:ext cx="0" cy="0"/>
-          <a:chOff x="0" y="0"/>
-          <a:chExt cx="0" cy="0"/>
-        </a:xfrm>
-      </p:grpSpPr>
-      <p:sp>
-        <p:nvSpPr>
-          <p:cNvPr id="2" name="Title 1"/>
-          <p:cNvSpPr>
-            <a:spLocks noGrp="1"/>
-          </p:cNvSpPr>
-          <p:nvPr>
-            <p:ph type="title"/>
-          </p:nvPr>
-        </p:nvSpPr>
-        <p:spPr/>
-        <p:txBody>
-          <a:bodyPr/>
-          <a:lstStyle/>
-          <a:p>
-            <a:r>
-              <a:rPr lang="en-US" dirty="0" smtClean="0"/>
-              <a:t>technologies</a:t>
-            </a:r>
-            <a:endParaRPr lang="en-US" dirty="0"/>
-          </a:p>
-        </p:txBody>
-      </p:sp>
-      <p:sp>
-        <p:nvSpPr>
-          <p:cNvPr id="3" name="Content Placeholder 2"/>
-          <p:cNvSpPr>
-            <a:spLocks noGrp="1"/>
-          </p:cNvSpPr>
-          <p:nvPr>
-            <p:ph idx="1"/>
-          </p:nvPr>
-        </p:nvSpPr>
-        <p:spPr/>
-        <p:txBody>
-          <a:bodyPr/>
-          <a:lstStyle/>
-          <a:p>
-            <a:r>
-              <a:rPr lang="en-US" sz="2800" dirty="0" smtClean="0"/>
-              <a:t>Front-End: JavaFX</a:t>
-            </a:r>
-          </a:p>
-          <a:p>
-            <a:r>
-              <a:rPr lang="en-US" sz="2800" dirty="0" smtClean="0"/>
-              <a:t>Back-End: Java</a:t>
-            </a:r>
-          </a:p>
-          <a:p>
-            <a:r>
-              <a:rPr lang="en-US" sz="2800" dirty="0" smtClean="0"/>
-              <a:t>Database: SQLite</a:t>
-            </a:r>
-          </a:p>
-          <a:p>
-            <a:endParaRPr lang="en-US" dirty="0" smtClean="0"/>
-          </a:p>
-          <a:p>
-            <a:endParaRPr lang="en-US" dirty="0"/>
-          </a:p>
-        </p:txBody>
-      </p:sp>
-    </p:spTree>
-    <p:extLst>
-      <p:ext uri="{BB962C8B-B14F-4D97-AF65-F5344CB8AC3E}">
-        <p14:creationId xmlns:p14="http://schemas.microsoft.com/office/powerpoint/2010/main" val="2052410465"/>
       </p:ext>
     </p:extLst>
   </p:cSld>
@@ -4857,6 +5606,98 @@
             <p:ph type="title"/>
           </p:nvPr>
         </p:nvSpPr>
+        <p:spPr/>
+        <p:txBody>
+          <a:bodyPr/>
+          <a:lstStyle/>
+          <a:p>
+            <a:r>
+              <a:rPr lang="en-US" dirty="0"/>
+              <a:t>technologies</a:t>
+            </a:r>
+          </a:p>
+        </p:txBody>
+      </p:sp>
+      <p:sp>
+        <p:nvSpPr>
+          <p:cNvPr id="3" name="Content Placeholder 2"/>
+          <p:cNvSpPr>
+            <a:spLocks noGrp="1"/>
+          </p:cNvSpPr>
+          <p:nvPr>
+            <p:ph idx="1"/>
+          </p:nvPr>
+        </p:nvSpPr>
+        <p:spPr/>
+        <p:txBody>
+          <a:bodyPr/>
+          <a:lstStyle/>
+          <a:p>
+            <a:r>
+              <a:rPr lang="en-US" sz="2800" dirty="0"/>
+              <a:t>Front-End: JavaFX</a:t>
+            </a:r>
+          </a:p>
+          <a:p>
+            <a:r>
+              <a:rPr lang="en-US" sz="2800" dirty="0"/>
+              <a:t>Back-End: Java</a:t>
+            </a:r>
+          </a:p>
+          <a:p>
+            <a:r>
+              <a:rPr lang="en-US" sz="2800" dirty="0"/>
+              <a:t>Database: SQLite</a:t>
+            </a:r>
+          </a:p>
+          <a:p>
+            <a:endParaRPr lang="en-US" dirty="0"/>
+          </a:p>
+          <a:p>
+            <a:endParaRPr lang="en-US" dirty="0"/>
+          </a:p>
+        </p:txBody>
+      </p:sp>
+    </p:spTree>
+    <p:extLst>
+      <p:ext uri="{BB962C8B-B14F-4D97-AF65-F5344CB8AC3E}">
+        <p14:creationId xmlns:p14="http://schemas.microsoft.com/office/powerpoint/2010/main" val="2052410465"/>
+      </p:ext>
+    </p:extLst>
+  </p:cSld>
+  <p:clrMapOvr>
+    <a:masterClrMapping/>
+  </p:clrMapOvr>
+</p:sld>
+</file>
+
+<file path=ppt/slides/slide6.xml><?xml version="1.0" encoding="utf-8"?>
+<p:sld xmlns:a="http://schemas.openxmlformats.org/drawingml/2006/main" xmlns:r="http://schemas.openxmlformats.org/officeDocument/2006/relationships" xmlns:p="http://schemas.openxmlformats.org/presentationml/2006/main">
+  <p:cSld>
+    <p:spTree>
+      <p:nvGrpSpPr>
+        <p:cNvPr id="1" name=""/>
+        <p:cNvGrpSpPr/>
+        <p:nvPr/>
+      </p:nvGrpSpPr>
+      <p:grpSpPr>
+        <a:xfrm>
+          <a:off x="0" y="0"/>
+          <a:ext cx="0" cy="0"/>
+          <a:chOff x="0" y="0"/>
+          <a:chExt cx="0" cy="0"/>
+        </a:xfrm>
+      </p:grpSpPr>
+      <p:sp>
+        <p:nvSpPr>
+          <p:cNvPr id="2" name="Title 1"/>
+          <p:cNvSpPr>
+            <a:spLocks noGrp="1"/>
+          </p:cNvSpPr>
+          <p:nvPr>
+            <p:ph type="title"/>
+          </p:nvPr>
+        </p:nvSpPr>
         <p:spPr>
           <a:xfrm>
             <a:off x="1082201" y="555682"/>
@@ -4868,10 +5709,9 @@
           <a:lstStyle/>
           <a:p>
             <a:r>
-              <a:rPr lang="en-US" dirty="0" smtClean="0"/>
+              <a:rPr lang="en-US" dirty="0"/>
               <a:t>architecture</a:t>
             </a:r>
-            <a:endParaRPr lang="en-US" dirty="0"/>
           </a:p>
         </p:txBody>
       </p:sp>
@@ -4912,7 +5752,7 @@
           <a:p>
             <a:pPr algn="ctr"/>
             <a:r>
-              <a:rPr lang="en-US" dirty="0" smtClean="0"/>
+              <a:rPr lang="en-US" dirty="0"/>
               <a:t>Presentation Layer: JavaFX</a:t>
             </a:r>
           </a:p>
@@ -4955,7 +5795,7 @@
           <a:p>
             <a:pPr algn="ctr"/>
             <a:r>
-              <a:rPr lang="en-US" dirty="0" smtClean="0"/>
+              <a:rPr lang="en-US" dirty="0"/>
               <a:t>Business Logic Layer (BUS)</a:t>
             </a:r>
           </a:p>
@@ -4998,7 +5838,7 @@
           <a:p>
             <a:pPr algn="ctr"/>
             <a:r>
-              <a:rPr lang="en-US" dirty="0" smtClean="0"/>
+              <a:rPr lang="en-US" dirty="0"/>
               <a:t>Data Access Layer (DAO)</a:t>
             </a:r>
           </a:p>
@@ -5173,7 +6013,7 @@
           <a:p>
             <a:pPr algn="ctr"/>
             <a:r>
-              <a:rPr lang="en-US" dirty="0" smtClean="0"/>
+              <a:rPr lang="en-US" dirty="0"/>
               <a:t>DB Connection</a:t>
             </a:r>
           </a:p>
@@ -5285,13 +6125,8 @@
           <a:p>
             <a:r>
               <a:rPr lang="en-US" dirty="0"/>
-              <a:t> </a:t>
-            </a:r>
-            <a:r>
-              <a:rPr lang="en-US" dirty="0" smtClean="0"/>
-              <a:t>  SQLite</a:t>
-            </a:r>
-            <a:endParaRPr lang="en-US" dirty="0"/>
+              <a:t>   SQLite</a:t>
+            </a:r>
           </a:p>
         </p:txBody>
       </p:sp>
@@ -5401,7 +6236,7 @@
           <a:p>
             <a:pPr algn="ctr"/>
             <a:r>
-              <a:rPr lang="en-US" dirty="0" smtClean="0"/>
+              <a:rPr lang="en-US" dirty="0"/>
               <a:t>Data Object (DO)</a:t>
             </a:r>
           </a:p>
@@ -5516,7 +6351,7 @@
           <a:p>
             <a:pPr algn="ctr"/>
             <a:r>
-              <a:rPr lang="en-US" dirty="0" smtClean="0"/>
+              <a:rPr lang="en-US" dirty="0"/>
               <a:t>Domain Object</a:t>
             </a:r>
           </a:p>
@@ -5601,88 +6436,6 @@
 </p:sld>
 </file>
 
-<file path=ppt/slides/slide6.xml><?xml version="1.0" encoding="utf-8"?>
-<p:sld xmlns:a="http://schemas.openxmlformats.org/drawingml/2006/main" xmlns:r="http://schemas.openxmlformats.org/officeDocument/2006/relationships" xmlns:p="http://schemas.openxmlformats.org/presentationml/2006/main">
-  <p:cSld>
-    <p:spTree>
-      <p:nvGrpSpPr>
-        <p:cNvPr id="1" name=""/>
-        <p:cNvGrpSpPr/>
-        <p:nvPr/>
-      </p:nvGrpSpPr>
-      <p:grpSpPr>
-        <a:xfrm>
-          <a:off x="0" y="0"/>
-          <a:ext cx="0" cy="0"/>
-          <a:chOff x="0" y="0"/>
-          <a:chExt cx="0" cy="0"/>
-        </a:xfrm>
-      </p:grpSpPr>
-      <p:sp>
-        <p:nvSpPr>
-          <p:cNvPr id="2" name="Title 1"/>
-          <p:cNvSpPr>
-            <a:spLocks noGrp="1"/>
-          </p:cNvSpPr>
-          <p:nvPr>
-            <p:ph type="title"/>
-          </p:nvPr>
-        </p:nvSpPr>
-        <p:spPr/>
-        <p:txBody>
-          <a:bodyPr/>
-          <a:lstStyle/>
-          <a:p>
-            <a:r>
-              <a:rPr lang="en-US" dirty="0" smtClean="0"/>
-              <a:t>Diagrams</a:t>
-            </a:r>
-            <a:endParaRPr lang="en-US" dirty="0"/>
-          </a:p>
-        </p:txBody>
-      </p:sp>
-      <p:sp>
-        <p:nvSpPr>
-          <p:cNvPr id="3" name="Content Placeholder 2"/>
-          <p:cNvSpPr>
-            <a:spLocks noGrp="1"/>
-          </p:cNvSpPr>
-          <p:nvPr>
-            <p:ph idx="1"/>
-          </p:nvPr>
-        </p:nvSpPr>
-        <p:spPr/>
-        <p:txBody>
-          <a:bodyPr/>
-          <a:lstStyle/>
-          <a:p>
-            <a:r>
-              <a:rPr lang="en-US" sz="2800" dirty="0" smtClean="0"/>
-              <a:t>Class Diagrams: Domain, BUS and DAO</a:t>
-            </a:r>
-          </a:p>
-          <a:p>
-            <a:r>
-              <a:rPr lang="en-US" sz="2800" dirty="0" smtClean="0"/>
-              <a:t>Sequence Diagrams</a:t>
-            </a:r>
-            <a:endParaRPr lang="en-US" sz="2800" dirty="0"/>
-          </a:p>
-        </p:txBody>
-      </p:sp>
-    </p:spTree>
-    <p:extLst>
-      <p:ext uri="{BB962C8B-B14F-4D97-AF65-F5344CB8AC3E}">
-        <p14:creationId xmlns:p14="http://schemas.microsoft.com/office/powerpoint/2010/main" val="316007731"/>
-      </p:ext>
-    </p:extLst>
-  </p:cSld>
-  <p:clrMapOvr>
-    <a:masterClrMapping/>
-  </p:clrMapOvr>
-</p:sld>
-</file>
-
 <file path=ppt/slides/slide7.xml><?xml version="1.0" encoding="utf-8"?>
 <p:sld xmlns:a="http://schemas.openxmlformats.org/drawingml/2006/main" xmlns:r="http://schemas.openxmlformats.org/officeDocument/2006/relationships" xmlns:p="http://schemas.openxmlformats.org/presentationml/2006/main">
   <p:cSld>
@@ -5716,10 +6469,9 @@
           <a:lstStyle/>
           <a:p>
             <a:r>
-              <a:rPr lang="en-US" dirty="0" smtClean="0"/>
-              <a:t>demo</a:t>
-            </a:r>
-            <a:endParaRPr lang="en-US" dirty="0"/>
+              <a:rPr lang="en-US" dirty="0"/>
+              <a:t>Diagrams</a:t>
+            </a:r>
           </a:p>
         </p:txBody>
       </p:sp>
@@ -5739,72 +6491,229 @@
           <a:lstStyle/>
           <a:p>
             <a:r>
-              <a:rPr lang="en-US" dirty="0" smtClean="0"/>
-              <a:t>Sign up</a:t>
-            </a:r>
-          </a:p>
-          <a:p>
-            <a:r>
-              <a:rPr lang="en-US" dirty="0"/>
-              <a:t>Login</a:t>
-            </a:r>
-          </a:p>
-          <a:p>
-            <a:r>
-              <a:rPr lang="en-US" dirty="0" smtClean="0"/>
-              <a:t>Choose Product</a:t>
-            </a:r>
-            <a:endParaRPr lang="en-US" dirty="0"/>
-          </a:p>
-          <a:p>
-            <a:r>
-              <a:rPr lang="en-US" dirty="0" smtClean="0"/>
-              <a:t>Manage Shopping Cart</a:t>
-            </a:r>
-            <a:endParaRPr lang="en-US" dirty="0"/>
-          </a:p>
-          <a:p>
-            <a:r>
-              <a:rPr lang="en-US" dirty="0" smtClean="0"/>
-              <a:t>Check Out </a:t>
-            </a:r>
-            <a:endParaRPr lang="en-US" dirty="0"/>
-          </a:p>
-          <a:p>
-            <a:r>
-              <a:rPr lang="en-US" dirty="0" smtClean="0"/>
-              <a:t>Buy </a:t>
-            </a:r>
-            <a:r>
-              <a:rPr lang="en-US" dirty="0"/>
-              <a:t>1-Click </a:t>
-            </a:r>
-            <a:endParaRPr lang="en-US" dirty="0"/>
-          </a:p>
-          <a:p>
-            <a:r>
-              <a:rPr lang="en-US" dirty="0" smtClean="0"/>
-              <a:t>Update </a:t>
-            </a:r>
-            <a:r>
-              <a:rPr lang="en-US" dirty="0"/>
-              <a:t>Profile </a:t>
-            </a:r>
-            <a:endParaRPr lang="en-US" dirty="0" smtClean="0"/>
-          </a:p>
-          <a:p>
-            <a:r>
-              <a:rPr lang="en-US" dirty="0" smtClean="0"/>
-              <a:t>View Order History</a:t>
-            </a:r>
-            <a:endParaRPr lang="en-US" dirty="0"/>
+              <a:rPr lang="en-US" sz="2800" dirty="0"/>
+              <a:t>Class Diagrams: Domain, BUS and DAO</a:t>
+            </a:r>
+          </a:p>
+          <a:p>
+            <a:r>
+              <a:rPr lang="en-US" sz="2800" dirty="0"/>
+              <a:t>Sequence Diagrams</a:t>
+            </a:r>
           </a:p>
         </p:txBody>
       </p:sp>
     </p:spTree>
     <p:extLst>
       <p:ext uri="{BB962C8B-B14F-4D97-AF65-F5344CB8AC3E}">
-        <p14:creationId xmlns:p14="http://schemas.microsoft.com/office/powerpoint/2010/main" val="918076206"/>
+        <p14:creationId xmlns:p14="http://schemas.microsoft.com/office/powerpoint/2010/main" val="316007731"/>
+      </p:ext>
+    </p:extLst>
+  </p:cSld>
+  <p:clrMapOvr>
+    <a:masterClrMapping/>
+  </p:clrMapOvr>
+</p:sld>
+</file>
+
+<file path=ppt/slides/slide8.xml><?xml version="1.0" encoding="utf-8"?>
+<p:sld xmlns:a="http://schemas.openxmlformats.org/drawingml/2006/main" xmlns:r="http://schemas.openxmlformats.org/officeDocument/2006/relationships" xmlns:p="http://schemas.openxmlformats.org/presentationml/2006/main">
+  <p:cSld>
+    <p:spTree>
+      <p:nvGrpSpPr>
+        <p:cNvPr id="1" name=""/>
+        <p:cNvGrpSpPr/>
+        <p:nvPr/>
+      </p:nvGrpSpPr>
+      <p:grpSpPr>
+        <a:xfrm>
+          <a:off x="0" y="0"/>
+          <a:ext cx="0" cy="0"/>
+          <a:chOff x="0" y="0"/>
+          <a:chExt cx="0" cy="0"/>
+        </a:xfrm>
+      </p:grpSpPr>
+      <p:sp>
+        <p:nvSpPr>
+          <p:cNvPr id="2" name="Title 1">
+            <a:extLst>
+              <a:ext uri="{FF2B5EF4-FFF2-40B4-BE49-F238E27FC236}">
+                <a16:creationId xmlns:a16="http://schemas.microsoft.com/office/drawing/2014/main" id="{C9C18FF7-BC41-4A2D-85E8-C292B0C7B868}"/>
+              </a:ext>
+            </a:extLst>
+          </p:cNvPr>
+          <p:cNvSpPr>
+            <a:spLocks noGrp="1"/>
+          </p:cNvSpPr>
+          <p:nvPr>
+            <p:ph type="title"/>
+          </p:nvPr>
+        </p:nvSpPr>
+        <p:spPr>
+          <a:xfrm>
+            <a:off x="1069848" y="484632"/>
+            <a:ext cx="4193032" cy="1609344"/>
+          </a:xfrm>
+        </p:spPr>
+        <p:txBody>
+          <a:bodyPr/>
+          <a:lstStyle/>
+          <a:p>
+            <a:r>
+              <a:rPr lang="en-US" dirty="0"/>
+              <a:t>Domain</a:t>
+            </a:r>
+          </a:p>
+        </p:txBody>
+      </p:sp>
+      <p:pic>
+        <p:nvPicPr>
+          <p:cNvPr id="4" name="Picture 3" descr="UML/Domain%20-%20Class%20Diagram.jpg">
+            <a:extLst>
+              <a:ext uri="{FF2B5EF4-FFF2-40B4-BE49-F238E27FC236}">
+                <a16:creationId xmlns:a16="http://schemas.microsoft.com/office/drawing/2014/main" id="{8A7D0D6D-A135-4C6C-8BA9-20D0BFE22E69}"/>
+              </a:ext>
+            </a:extLst>
+          </p:cNvPr>
+          <p:cNvPicPr/>
+          <p:nvPr/>
+        </p:nvPicPr>
+        <p:blipFill>
+          <a:blip r:embed="rId2" cstate="print">
+            <a:extLst>
+              <a:ext uri="{28A0092B-C50C-407E-A947-70E740481C1C}">
+                <a14:useLocalDpi xmlns:a14="http://schemas.microsoft.com/office/drawing/2010/main" val="0"/>
+              </a:ext>
+            </a:extLst>
+          </a:blip>
+          <a:srcRect/>
+          <a:stretch>
+            <a:fillRect/>
+          </a:stretch>
+        </p:blipFill>
+        <p:spPr bwMode="auto">
+          <a:xfrm>
+            <a:off x="3532505" y="0"/>
+            <a:ext cx="5939790" cy="6858000"/>
+          </a:xfrm>
+          <a:prstGeom prst="rect">
+            <a:avLst/>
+          </a:prstGeom>
+          <a:noFill/>
+          <a:ln>
+            <a:noFill/>
+          </a:ln>
+        </p:spPr>
+      </p:pic>
+    </p:spTree>
+    <p:extLst>
+      <p:ext uri="{BB962C8B-B14F-4D97-AF65-F5344CB8AC3E}">
+        <p14:creationId xmlns:p14="http://schemas.microsoft.com/office/powerpoint/2010/main" val="572022173"/>
+      </p:ext>
+    </p:extLst>
+  </p:cSld>
+  <p:clrMapOvr>
+    <a:masterClrMapping/>
+  </p:clrMapOvr>
+</p:sld>
+</file>
+
+<file path=ppt/slides/slide9.xml><?xml version="1.0" encoding="utf-8"?>
+<p:sld xmlns:a="http://schemas.openxmlformats.org/drawingml/2006/main" xmlns:r="http://schemas.openxmlformats.org/officeDocument/2006/relationships" xmlns:p="http://schemas.openxmlformats.org/presentationml/2006/main">
+  <p:cSld>
+    <p:spTree>
+      <p:nvGrpSpPr>
+        <p:cNvPr id="1" name=""/>
+        <p:cNvGrpSpPr/>
+        <p:nvPr/>
+      </p:nvGrpSpPr>
+      <p:grpSpPr>
+        <a:xfrm>
+          <a:off x="0" y="0"/>
+          <a:ext cx="0" cy="0"/>
+          <a:chOff x="0" y="0"/>
+          <a:chExt cx="0" cy="0"/>
+        </a:xfrm>
+      </p:grpSpPr>
+      <p:sp>
+        <p:nvSpPr>
+          <p:cNvPr id="2" name="Title 1">
+            <a:extLst>
+              <a:ext uri="{FF2B5EF4-FFF2-40B4-BE49-F238E27FC236}">
+                <a16:creationId xmlns:a16="http://schemas.microsoft.com/office/drawing/2014/main" id="{123BEFCA-DBE9-4F79-82A5-609B33822A71}"/>
+              </a:ext>
+            </a:extLst>
+          </p:cNvPr>
+          <p:cNvSpPr>
+            <a:spLocks noGrp="1"/>
+          </p:cNvSpPr>
+          <p:nvPr>
+            <p:ph type="title"/>
+          </p:nvPr>
+        </p:nvSpPr>
+        <p:spPr>
+          <a:xfrm>
+            <a:off x="1069846" y="484632"/>
+            <a:ext cx="8508263" cy="1039368"/>
+          </a:xfrm>
+        </p:spPr>
+        <p:txBody>
+          <a:bodyPr>
+            <a:normAutofit/>
+          </a:bodyPr>
+          <a:lstStyle/>
+          <a:p>
+            <a:r>
+              <a:rPr lang="en-US" b="1" dirty="0"/>
+              <a:t>Business Logic Layer (BUS)</a:t>
+            </a:r>
+            <a:endParaRPr lang="en-US" dirty="0"/>
+          </a:p>
+        </p:txBody>
+      </p:sp>
+      <p:pic>
+        <p:nvPicPr>
+          <p:cNvPr id="4" name="Picture 3" descr="UML/BUS%20-%20Class%20Diagram.jpg">
+            <a:extLst>
+              <a:ext uri="{FF2B5EF4-FFF2-40B4-BE49-F238E27FC236}">
+                <a16:creationId xmlns:a16="http://schemas.microsoft.com/office/drawing/2014/main" id="{0F89CDE7-98DC-4AE5-8425-7141B25AC5A4}"/>
+              </a:ext>
+            </a:extLst>
+          </p:cNvPr>
+          <p:cNvPicPr/>
+          <p:nvPr/>
+        </p:nvPicPr>
+        <p:blipFill>
+          <a:blip r:embed="rId2" cstate="print">
+            <a:extLst>
+              <a:ext uri="{28A0092B-C50C-407E-A947-70E740481C1C}">
+                <a14:useLocalDpi xmlns:a14="http://schemas.microsoft.com/office/drawing/2010/main" val="0"/>
+              </a:ext>
+            </a:extLst>
+          </a:blip>
+          <a:srcRect/>
+          <a:stretch>
+            <a:fillRect/>
+          </a:stretch>
+        </p:blipFill>
+        <p:spPr bwMode="auto">
+          <a:xfrm>
+            <a:off x="1069848" y="1524000"/>
+            <a:ext cx="9284116" cy="5190836"/>
+          </a:xfrm>
+          <a:prstGeom prst="rect">
+            <a:avLst/>
+          </a:prstGeom>
+          <a:noFill/>
+          <a:ln>
+            <a:noFill/>
+          </a:ln>
+        </p:spPr>
+      </p:pic>
+    </p:spTree>
+    <p:extLst>
+      <p:ext uri="{BB962C8B-B14F-4D97-AF65-F5344CB8AC3E}">
+        <p14:creationId xmlns:p14="http://schemas.microsoft.com/office/powerpoint/2010/main" val="1032395854"/>
       </p:ext>
     </p:extLst>
   </p:cSld>
